--- a/TypeScript101.pptx
+++ b/TypeScript101.pptx
@@ -302,7 +302,7 @@
           <a:p>
             <a:fld id="{97BEE526-5EB7-4409-B76B-A01705954A4C}" type="datetimeFigureOut">
               <a:rPr lang="de-DE" smtClean="0"/>
-              <a:t>03.04.2022</a:t>
+              <a:t>07.04.2022</a:t>
             </a:fld>
             <a:endParaRPr lang="de-DE"/>
           </a:p>
@@ -2442,7 +2442,7 @@
           <a:p>
             <a:fld id="{F1FE92DC-4F65-4B7E-8132-A160040A277A}" type="datetimeFigureOut">
               <a:rPr lang="de-DE" smtClean="0"/>
-              <a:t>03.04.2022</a:t>
+              <a:t>07.04.2022</a:t>
             </a:fld>
             <a:endParaRPr lang="de-DE"/>
           </a:p>
@@ -4375,7 +4375,7 @@
           <a:p>
             <a:fld id="{F1FE92DC-4F65-4B7E-8132-A160040A277A}" type="datetimeFigureOut">
               <a:rPr lang="de-DE" smtClean="0"/>
-              <a:t>03.04.2022</a:t>
+              <a:t>07.04.2022</a:t>
             </a:fld>
             <a:endParaRPr lang="de-DE"/>
           </a:p>
@@ -4713,7 +4713,7 @@
           <a:p>
             <a:fld id="{F1FE92DC-4F65-4B7E-8132-A160040A277A}" type="datetimeFigureOut">
               <a:rPr lang="de-DE" smtClean="0"/>
-              <a:t>03.04.2022</a:t>
+              <a:t>07.04.2022</a:t>
             </a:fld>
             <a:endParaRPr lang="de-DE"/>
           </a:p>
@@ -4984,7 +4984,7 @@
           <a:p>
             <a:fld id="{F1FE92DC-4F65-4B7E-8132-A160040A277A}" type="datetimeFigureOut">
               <a:rPr lang="de-DE" smtClean="0"/>
-              <a:t>03.04.2022</a:t>
+              <a:t>07.04.2022</a:t>
             </a:fld>
             <a:endParaRPr lang="de-DE"/>
           </a:p>
@@ -5465,7 +5465,7 @@
           <a:p>
             <a:fld id="{F1FE92DC-4F65-4B7E-8132-A160040A277A}" type="datetimeFigureOut">
               <a:rPr lang="de-DE" smtClean="0"/>
-              <a:t>03.04.2022</a:t>
+              <a:t>07.04.2022</a:t>
             </a:fld>
             <a:endParaRPr lang="de-DE"/>
           </a:p>
@@ -5870,7 +5870,7 @@
           <a:p>
             <a:fld id="{F1FE92DC-4F65-4B7E-8132-A160040A277A}" type="datetimeFigureOut">
               <a:rPr lang="de-DE" smtClean="0"/>
-              <a:t>03.04.2022</a:t>
+              <a:t>07.04.2022</a:t>
             </a:fld>
             <a:endParaRPr lang="de-DE"/>
           </a:p>
@@ -6223,7 +6223,7 @@
           <a:p>
             <a:fld id="{F1FE92DC-4F65-4B7E-8132-A160040A277A}" type="datetimeFigureOut">
               <a:rPr lang="de-DE" smtClean="0"/>
-              <a:t>03.04.2022</a:t>
+              <a:t>07.04.2022</a:t>
             </a:fld>
             <a:endParaRPr lang="de-DE"/>
           </a:p>
@@ -6410,7 +6410,7 @@
           <a:p>
             <a:fld id="{F1FE92DC-4F65-4B7E-8132-A160040A277A}" type="datetimeFigureOut">
               <a:rPr lang="de-DE" smtClean="0"/>
-              <a:t>03.04.2022</a:t>
+              <a:t>07.04.2022</a:t>
             </a:fld>
             <a:endParaRPr lang="de-DE"/>
           </a:p>
@@ -6786,7 +6786,7 @@
           <a:p>
             <a:fld id="{F1FE92DC-4F65-4B7E-8132-A160040A277A}" type="datetimeFigureOut">
               <a:rPr lang="de-DE" smtClean="0"/>
-              <a:t>03.04.2022</a:t>
+              <a:t>07.04.2022</a:t>
             </a:fld>
             <a:endParaRPr lang="de-DE"/>
           </a:p>
@@ -7061,7 +7061,7 @@
           <a:p>
             <a:fld id="{F1FE92DC-4F65-4B7E-8132-A160040A277A}" type="datetimeFigureOut">
               <a:rPr lang="de-DE" smtClean="0"/>
-              <a:t>03.04.2022</a:t>
+              <a:t>07.04.2022</a:t>
             </a:fld>
             <a:endParaRPr lang="de-DE"/>
           </a:p>
@@ -9032,12 +9032,50 @@
           </a:p>
         </p:txBody>
       </p:sp>
+      <p:sp>
+        <p:nvSpPr>
+          <p:cNvPr id="11" name="TextBox 10">
+            <a:extLst>
+              <a:ext uri="{FF2B5EF4-FFF2-40B4-BE49-F238E27FC236}">
+                <a16:creationId xmlns:a16="http://schemas.microsoft.com/office/drawing/2014/main" id="{E492F4E8-3891-4DAE-B912-F58587C386A3}"/>
+              </a:ext>
+            </a:extLst>
+          </p:cNvPr>
+          <p:cNvSpPr txBox="1"/>
+          <p:nvPr/>
+        </p:nvSpPr>
+        <p:spPr>
+          <a:xfrm>
+            <a:off x="365760" y="6031915"/>
+            <a:ext cx="7386320" cy="369332"/>
+          </a:xfrm>
+          <a:prstGeom prst="rect">
+            <a:avLst/>
+          </a:prstGeom>
+          <a:noFill/>
+        </p:spPr>
+        <p:txBody>
+          <a:bodyPr wrap="square">
+            <a:spAutoFit/>
+          </a:bodyPr>
+          <a:lstStyle/>
+          <a:p>
+            <a:r>
+              <a:rPr lang="de-DE" dirty="0">
+                <a:hlinkClick r:id="rId2"/>
+              </a:rPr>
+              <a:t>https://www.typescriptlang.org/docs/handbook/utility-types.html</a:t>
+            </a:r>
+            <a:endParaRPr lang="de-DE" dirty="0"/>
+          </a:p>
+        </p:txBody>
+      </p:sp>
       <p:pic>
         <p:nvPicPr>
-          <p:cNvPr id="9" name="Content Placeholder 8" descr="Text&#10;&#10;Description automatically generated">
+          <p:cNvPr id="6" name="Content Placeholder 5" descr="Text&#10;&#10;Description automatically generated">
             <a:extLst>
               <a:ext uri="{FF2B5EF4-FFF2-40B4-BE49-F238E27FC236}">
-                <a16:creationId xmlns:a16="http://schemas.microsoft.com/office/drawing/2014/main" id="{A59E3B05-5463-46DC-9CCB-2D518F7E83EF}"/>
+                <a16:creationId xmlns:a16="http://schemas.microsoft.com/office/drawing/2014/main" id="{8CA6A9A9-7914-4D9B-9C2F-C242E927CAED}"/>
               </a:ext>
             </a:extLst>
           </p:cNvPr>
@@ -9049,7 +9087,7 @@
           </p:nvPr>
         </p:nvPicPr>
         <p:blipFill>
-          <a:blip r:embed="rId2">
+          <a:blip r:embed="rId3">
             <a:extLst>
               <a:ext uri="{28A0092B-C50C-407E-A947-70E740481C1C}">
                 <a14:useLocalDpi xmlns:a14="http://schemas.microsoft.com/office/drawing/2010/main" val="0"/>
@@ -9062,49 +9100,11 @@
         </p:blipFill>
         <p:spPr>
           <a:xfrm>
-            <a:off x="2179450" y="1390014"/>
-            <a:ext cx="7073611" cy="3598545"/>
+            <a:off x="1157287" y="1755775"/>
+            <a:ext cx="9886950" cy="3886200"/>
           </a:xfrm>
         </p:spPr>
       </p:pic>
-      <p:sp>
-        <p:nvSpPr>
-          <p:cNvPr id="11" name="TextBox 10">
-            <a:extLst>
-              <a:ext uri="{FF2B5EF4-FFF2-40B4-BE49-F238E27FC236}">
-                <a16:creationId xmlns:a16="http://schemas.microsoft.com/office/drawing/2014/main" id="{E492F4E8-3891-4DAE-B912-F58587C386A3}"/>
-              </a:ext>
-            </a:extLst>
-          </p:cNvPr>
-          <p:cNvSpPr txBox="1"/>
-          <p:nvPr/>
-        </p:nvSpPr>
-        <p:spPr>
-          <a:xfrm>
-            <a:off x="365760" y="6031915"/>
-            <a:ext cx="7386320" cy="369332"/>
-          </a:xfrm>
-          <a:prstGeom prst="rect">
-            <a:avLst/>
-          </a:prstGeom>
-          <a:noFill/>
-        </p:spPr>
-        <p:txBody>
-          <a:bodyPr wrap="square">
-            <a:spAutoFit/>
-          </a:bodyPr>
-          <a:lstStyle/>
-          <a:p>
-            <a:r>
-              <a:rPr lang="de-DE" dirty="0">
-                <a:hlinkClick r:id="rId3"/>
-              </a:rPr>
-              <a:t>https://www.typescriptlang.org/docs/handbook/utility-types.html</a:t>
-            </a:r>
-            <a:endParaRPr lang="de-DE" dirty="0"/>
-          </a:p>
-        </p:txBody>
-      </p:sp>
     </p:spTree>
     <p:extLst>
       <p:ext uri="{BB962C8B-B14F-4D97-AF65-F5344CB8AC3E}">

--- a/TypeScript101.pptx
+++ b/TypeScript101.pptx
@@ -1276,15 +1276,7 @@
             </a:pPr>
             <a:r>
               <a:rPr lang="de-DE" sz="1200" dirty="0"/>
-              <a:t>1995 -&gt; JavaScript wurde von Netscape in Auftrag gegeben, um Java </a:t>
-            </a:r>
-            <a:r>
-              <a:rPr lang="de-DE" sz="1200" dirty="0" err="1"/>
-              <a:t>Appletts</a:t>
-            </a:r>
-            <a:r>
-              <a:rPr lang="de-DE" sz="1200" dirty="0"/>
-              <a:t> im Browser auszuführen</a:t>
+              <a:t>1995 -&gt; Amazon gabs seit 10 Monate, Google gibt’s erst in 3 Jahren, Windows 95 erst in ein paar Monaten -&gt; IE gabs noch nicht</a:t>
             </a:r>
           </a:p>
           <a:p>
@@ -1294,7 +1286,15 @@
             </a:pPr>
             <a:r>
               <a:rPr lang="de-DE" sz="1200" dirty="0"/>
-              <a:t>Amazon gabs seit 10 Monate, Google gibt’s erst in 3 Jahren, Windows 95 erst in ein paar Monaten -&gt; IE gabs noch nicht</a:t>
+              <a:t>JavaScript wurde von Netscape in Auftrag gegeben, um Java </a:t>
+            </a:r>
+            <a:r>
+              <a:rPr lang="de-DE" sz="1200" dirty="0" err="1"/>
+              <a:t>Appletts</a:t>
+            </a:r>
+            <a:r>
+              <a:rPr lang="de-DE" sz="1200" dirty="0"/>
+              <a:t> im Browser auszuführen</a:t>
             </a:r>
           </a:p>
           <a:p>
